--- a/Case_Study1.pptx
+++ b/Case_Study1.pptx
@@ -353,7 +353,7 @@
           <a:p>
             <a:fld id="{739BB36C-48EA-450E-A306-FF78CBCEA75F}" type="datetimeFigureOut">
               <a:rPr lang="en-US" smtClean="0"/>
-              <a:t>3/18/2018</a:t>
+              <a:t>4/5/2018</a:t>
             </a:fld>
             <a:endParaRPr lang="en-US"/>
           </a:p>
@@ -561,7 +561,7 @@
           <a:p>
             <a:fld id="{739BB36C-48EA-450E-A306-FF78CBCEA75F}" type="datetimeFigureOut">
               <a:rPr lang="en-US" smtClean="0"/>
-              <a:t>3/18/2018</a:t>
+              <a:t>4/5/2018</a:t>
             </a:fld>
             <a:endParaRPr lang="en-US"/>
           </a:p>
@@ -817,7 +817,7 @@
           <a:p>
             <a:fld id="{739BB36C-48EA-450E-A306-FF78CBCEA75F}" type="datetimeFigureOut">
               <a:rPr lang="en-US" smtClean="0"/>
-              <a:t>3/18/2018</a:t>
+              <a:t>4/5/2018</a:t>
             </a:fld>
             <a:endParaRPr lang="en-US"/>
           </a:p>
@@ -991,7 +991,7 @@
           <a:p>
             <a:fld id="{739BB36C-48EA-450E-A306-FF78CBCEA75F}" type="datetimeFigureOut">
               <a:rPr lang="en-US" smtClean="0"/>
-              <a:t>3/18/2018</a:t>
+              <a:t>4/5/2018</a:t>
             </a:fld>
             <a:endParaRPr lang="en-US"/>
           </a:p>
@@ -1334,7 +1334,7 @@
           <a:p>
             <a:fld id="{739BB36C-48EA-450E-A306-FF78CBCEA75F}" type="datetimeFigureOut">
               <a:rPr lang="en-US" smtClean="0"/>
-              <a:t>3/18/2018</a:t>
+              <a:t>4/5/2018</a:t>
             </a:fld>
             <a:endParaRPr lang="en-US"/>
           </a:p>
@@ -1609,7 +1609,7 @@
           <a:p>
             <a:fld id="{739BB36C-48EA-450E-A306-FF78CBCEA75F}" type="datetimeFigureOut">
               <a:rPr lang="en-US" smtClean="0"/>
-              <a:t>3/18/2018</a:t>
+              <a:t>4/5/2018</a:t>
             </a:fld>
             <a:endParaRPr lang="en-US"/>
           </a:p>
@@ -1988,7 +1988,7 @@
           <a:p>
             <a:fld id="{739BB36C-48EA-450E-A306-FF78CBCEA75F}" type="datetimeFigureOut">
               <a:rPr lang="en-US" smtClean="0"/>
-              <a:t>3/18/2018</a:t>
+              <a:t>4/5/2018</a:t>
             </a:fld>
             <a:endParaRPr lang="en-US"/>
           </a:p>
@@ -2106,7 +2106,7 @@
           <a:p>
             <a:fld id="{739BB36C-48EA-450E-A306-FF78CBCEA75F}" type="datetimeFigureOut">
               <a:rPr lang="en-US" smtClean="0"/>
-              <a:t>3/18/2018</a:t>
+              <a:t>4/5/2018</a:t>
             </a:fld>
             <a:endParaRPr lang="en-US"/>
           </a:p>
@@ -2277,7 +2277,7 @@
           <a:p>
             <a:fld id="{739BB36C-48EA-450E-A306-FF78CBCEA75F}" type="datetimeFigureOut">
               <a:rPr lang="en-US" smtClean="0"/>
-              <a:t>3/18/2018</a:t>
+              <a:t>4/5/2018</a:t>
             </a:fld>
             <a:endParaRPr lang="en-US"/>
           </a:p>
@@ -2631,7 +2631,7 @@
           <a:p>
             <a:fld id="{739BB36C-48EA-450E-A306-FF78CBCEA75F}" type="datetimeFigureOut">
               <a:rPr lang="en-US" smtClean="0"/>
-              <a:t>3/18/2018</a:t>
+              <a:t>4/5/2018</a:t>
             </a:fld>
             <a:endParaRPr lang="en-US"/>
           </a:p>
@@ -3013,7 +3013,7 @@
           <a:p>
             <a:fld id="{739BB36C-48EA-450E-A306-FF78CBCEA75F}" type="datetimeFigureOut">
               <a:rPr lang="en-US" smtClean="0"/>
-              <a:t>3/18/2018</a:t>
+              <a:t>4/5/2018</a:t>
             </a:fld>
             <a:endParaRPr lang="en-US"/>
           </a:p>
@@ -3300,7 +3300,7 @@
           <a:p>
             <a:fld id="{739BB36C-48EA-450E-A306-FF78CBCEA75F}" type="datetimeFigureOut">
               <a:rPr lang="en-US" smtClean="0"/>
-              <a:t>3/18/2018</a:t>
+              <a:t>4/5/2018</a:t>
             </a:fld>
             <a:endParaRPr lang="en-US"/>
           </a:p>
@@ -4313,11 +4313,7 @@
             </a:r>
             <a:r>
               <a:rPr lang="en-US" dirty="0" smtClean="0"/>
-              <a:t>ignificant </a:t>
-            </a:r>
-            <a:r>
-              <a:rPr lang="en-US" dirty="0" smtClean="0"/>
-              <a:t>autocorrelation between the lags</a:t>
+              <a:t>ignificant autocorrelation between the lags</a:t>
             </a:r>
           </a:p>
         </p:txBody>
@@ -4588,7 +4584,7 @@
         <p:spPr>
           <a:xfrm>
             <a:off x="599440" y="4643120"/>
-            <a:ext cx="6495627" cy="1661993"/>
+            <a:ext cx="6451809" cy="1569660"/>
           </a:xfrm>
           <a:prstGeom prst="rect">
             <a:avLst/>
@@ -4606,31 +4602,23 @@
               <a:buChar char="•"/>
             </a:pPr>
             <a:r>
-              <a:rPr lang="en-US" sz="1700" dirty="0" smtClean="0"/>
+              <a:rPr lang="en-US" sz="1600" b="1" dirty="0" smtClean="0"/>
               <a:t>Looking at </a:t>
             </a:r>
             <a:r>
-              <a:rPr lang="en-US" sz="1700" dirty="0" err="1" smtClean="0"/>
+              <a:rPr lang="en-US" sz="1600" b="1" dirty="0" err="1" smtClean="0"/>
               <a:t>qqplot</a:t>
             </a:r>
             <a:r>
-              <a:rPr lang="en-US" sz="1700" dirty="0" smtClean="0"/>
-              <a:t> we can say time series is not normal as the data is </a:t>
-            </a:r>
-            <a:r>
-              <a:rPr lang="en-US" sz="1700" dirty="0" smtClean="0"/>
-              <a:t>not a straight line `and </a:t>
-            </a:r>
-            <a:r>
-              <a:rPr lang="en-US" sz="1700" dirty="0" smtClean="0"/>
-              <a:t>not </a:t>
-            </a:r>
-            <a:r>
-              <a:rPr lang="en-US" sz="1700" dirty="0" smtClean="0"/>
-              <a:t>continuous </a:t>
-            </a:r>
-            <a:r>
-              <a:rPr lang="en-US" sz="1700" dirty="0" smtClean="0"/>
+              <a:rPr lang="en-US" sz="1600" b="1" dirty="0" smtClean="0"/>
+              <a:t> we can say time series is not </a:t>
+            </a:r>
+            <a:r>
+              <a:rPr lang="en-US" sz="1600" b="1" dirty="0" smtClean="0"/>
+              <a:t>normal, </a:t>
+            </a:r>
+            <a:r>
+              <a:rPr lang="en-US" sz="1600" b="1" dirty="0" smtClean="0"/>
               <a:t>it looks like a step function</a:t>
             </a:r>
           </a:p>
@@ -4640,8 +4628,24 @@
               <a:buChar char="•"/>
             </a:pPr>
             <a:r>
-              <a:rPr lang="en-US" sz="1700" dirty="0" smtClean="0"/>
-              <a:t>p value is less than alpha from JB test we can say that times series is not normally distributed</a:t>
+              <a:rPr lang="en-US" sz="1600" b="1" dirty="0" smtClean="0"/>
+              <a:t>p value is less than </a:t>
+            </a:r>
+            <a:r>
+              <a:rPr lang="en-US" sz="1600" b="1" dirty="0" smtClean="0"/>
+              <a:t>alpha: </a:t>
+            </a:r>
+            <a:r>
+              <a:rPr lang="en-US" sz="1600" b="1" dirty="0" smtClean="0"/>
+              <a:t>from </a:t>
+            </a:r>
+            <a:r>
+              <a:rPr lang="en-US" sz="1600" b="1" i="1" dirty="0" smtClean="0"/>
+              <a:t>JB test </a:t>
+            </a:r>
+            <a:r>
+              <a:rPr lang="en-US" sz="1600" b="1" dirty="0" smtClean="0"/>
+              <a:t>we can say that times series is not normally distributed</a:t>
             </a:r>
           </a:p>
           <a:p>
@@ -4650,9 +4654,46 @@
               <a:buChar char="•"/>
             </a:pPr>
             <a:r>
-              <a:rPr lang="en-US" sz="1700" dirty="0" smtClean="0"/>
-              <a:t>p value is less than alpha form Box test so we reject the null hypothesis making the lags dependent</a:t>
-            </a:r>
+              <a:rPr lang="en-US" sz="1600" b="1" dirty="0" smtClean="0"/>
+              <a:t>p value is less than </a:t>
+            </a:r>
+            <a:r>
+              <a:rPr lang="en-US" sz="1600" b="1" dirty="0" smtClean="0"/>
+              <a:t>alpha: </a:t>
+            </a:r>
+            <a:r>
+              <a:rPr lang="en-US" sz="1600" b="1" dirty="0" smtClean="0"/>
+              <a:t>form </a:t>
+            </a:r>
+            <a:r>
+              <a:rPr lang="en-US" sz="1600" b="1" i="1" dirty="0" smtClean="0"/>
+              <a:t>Box test </a:t>
+            </a:r>
+            <a:r>
+              <a:rPr lang="en-US" sz="1600" b="1" dirty="0" smtClean="0"/>
+              <a:t>we </a:t>
+            </a:r>
+            <a:r>
+              <a:rPr lang="en-US" sz="1600" b="1" dirty="0" smtClean="0"/>
+              <a:t>reject the null hypothesis </a:t>
+            </a:r>
+            <a:r>
+              <a:rPr lang="en-US" sz="1600" b="1" dirty="0" smtClean="0"/>
+              <a:t>so </a:t>
+            </a:r>
+            <a:r>
+              <a:rPr lang="en-US" sz="1600" b="1" dirty="0" smtClean="0"/>
+              <a:t>the </a:t>
+            </a:r>
+            <a:r>
+              <a:rPr lang="en-US" sz="1600" b="1" dirty="0" smtClean="0"/>
+              <a:t>lags </a:t>
+            </a:r>
+            <a:r>
+              <a:rPr lang="en-US" sz="1600" b="1" dirty="0" smtClean="0"/>
+              <a:t>are dependent</a:t>
+            </a:r>
+            <a:endParaRPr lang="en-US" sz="1600" b="1" dirty="0" smtClean="0"/>
           </a:p>
         </p:txBody>
       </p:sp>
@@ -4804,7 +4845,15 @@
             </a:r>
             <a:r>
               <a:rPr lang="en-US" dirty="0" smtClean="0"/>
-              <a:t> models and selected the model with a good AIC score and significant coefficients</a:t>
+              <a:t> models and selected the model with a </a:t>
+            </a:r>
+            <a:r>
+              <a:rPr lang="en-US" dirty="0" smtClean="0"/>
+              <a:t>low AIC </a:t>
+            </a:r>
+            <a:r>
+              <a:rPr lang="en-US" dirty="0" smtClean="0"/>
+              <a:t>score and significant coefficients</a:t>
             </a:r>
           </a:p>
           <a:p>
@@ -5450,7 +5499,7 @@
         <p:spPr>
           <a:xfrm>
             <a:off x="7001933" y="2269067"/>
-            <a:ext cx="4632678" cy="1200329"/>
+            <a:ext cx="4710264" cy="1200329"/>
           </a:xfrm>
           <a:prstGeom prst="rect">
             <a:avLst/>
@@ -5468,11 +5517,11 @@
               <a:buChar char="•"/>
             </a:pPr>
             <a:r>
-              <a:rPr lang="en-US" dirty="0"/>
+              <a:rPr lang="en-US" b="1" dirty="0"/>
               <a:t>p</a:t>
             </a:r>
             <a:r>
-              <a:rPr lang="en-US" dirty="0" smtClean="0"/>
+              <a:rPr lang="en-US" b="1" dirty="0" smtClean="0"/>
               <a:t> values are greater than 0.5</a:t>
             </a:r>
           </a:p>
@@ -5482,7 +5531,7 @@
               <a:buChar char="•"/>
             </a:pPr>
             <a:r>
-              <a:rPr lang="en-US" dirty="0" smtClean="0"/>
+              <a:rPr lang="en-US" b="1" dirty="0" smtClean="0"/>
               <a:t>All the lags are below the blue cross line</a:t>
             </a:r>
           </a:p>
@@ -5492,7 +5541,7 @@
               <a:buChar char="•"/>
             </a:pPr>
             <a:r>
-              <a:rPr lang="en-US" dirty="0" smtClean="0"/>
+              <a:rPr lang="en-US" b="1" dirty="0" smtClean="0"/>
               <a:t>The roots are also above 1 so it is stationary </a:t>
             </a:r>
           </a:p>
@@ -5542,7 +5591,31 @@
         <p:spPr>
           <a:xfrm>
             <a:off x="904644" y="5459131"/>
-            <a:ext cx="7324725" cy="523875"/>
+            <a:ext cx="5901509" cy="422085"/>
+          </a:xfrm>
+          <a:prstGeom prst="rect">
+            <a:avLst/>
+          </a:prstGeom>
+        </p:spPr>
+      </p:pic>
+      <p:pic>
+        <p:nvPicPr>
+          <p:cNvPr id="4" name="Picture 3"/>
+          <p:cNvPicPr>
+            <a:picLocks noChangeAspect="1"/>
+          </p:cNvPicPr>
+          <p:nvPr/>
+        </p:nvPicPr>
+        <p:blipFill>
+          <a:blip r:embed="rId4"/>
+          <a:stretch>
+            <a:fillRect/>
+          </a:stretch>
+        </p:blipFill>
+        <p:spPr>
+          <a:xfrm>
+            <a:off x="7164371" y="3469396"/>
+            <a:ext cx="3991309" cy="2463208"/>
           </a:xfrm>
           <a:prstGeom prst="rect">
             <a:avLst/>
@@ -5652,7 +5725,23 @@
             </a:pPr>
             <a:r>
               <a:rPr lang="en-US" dirty="0" smtClean="0"/>
-              <a:t> We can also try better models like ARCH/GARCH models and see how they perform</a:t>
+              <a:t> We can also try </a:t>
+            </a:r>
+            <a:r>
+              <a:rPr lang="en-US" dirty="0" smtClean="0"/>
+              <a:t>other models </a:t>
+            </a:r>
+            <a:r>
+              <a:rPr lang="en-US" dirty="0" smtClean="0"/>
+              <a:t>like ARCH/GARCH </a:t>
+            </a:r>
+            <a:r>
+              <a:rPr lang="en-US" dirty="0" smtClean="0"/>
+              <a:t>and </a:t>
+            </a:r>
+            <a:r>
+              <a:rPr lang="en-US" dirty="0" smtClean="0"/>
+              <a:t>see how they perform</a:t>
             </a:r>
           </a:p>
           <a:p>
@@ -5666,8 +5755,13 @@
             </a:r>
             <a:r>
               <a:rPr lang="en-US" dirty="0" smtClean="0"/>
-              <a:t>We can also try different transformations like Cox </a:t>
-            </a:r>
+              <a:t>We can also try different </a:t>
+            </a:r>
+            <a:r>
+              <a:rPr lang="en-US" dirty="0" smtClean="0"/>
+              <a:t>transformation techniques</a:t>
+            </a:r>
+            <a:endParaRPr lang="en-US" dirty="0" smtClean="0"/>
           </a:p>
           <a:p>
             <a:pPr>
@@ -6716,15 +6810,15 @@
               <a:buChar char="•"/>
             </a:pPr>
             <a:r>
-              <a:rPr lang="en-US" dirty="0" smtClean="0"/>
+              <a:rPr lang="en-US" b="1" dirty="0" smtClean="0"/>
               <a:t>Looking at </a:t>
             </a:r>
             <a:r>
-              <a:rPr lang="en-US" dirty="0" err="1" smtClean="0"/>
+              <a:rPr lang="en-US" b="1" dirty="0" err="1" smtClean="0"/>
               <a:t>qqplot</a:t>
             </a:r>
             <a:r>
-              <a:rPr lang="en-US" dirty="0" smtClean="0"/>
+              <a:rPr lang="en-US" b="1" dirty="0" smtClean="0"/>
               <a:t> we can say time series is not normal</a:t>
             </a:r>
           </a:p>
@@ -6734,8 +6828,24 @@
               <a:buChar char="•"/>
             </a:pPr>
             <a:r>
-              <a:rPr lang="en-US" dirty="0" smtClean="0"/>
-              <a:t>p value is less than alpha from JB test we can say that times series is not normally distributed</a:t>
+              <a:rPr lang="en-US" b="1" dirty="0" smtClean="0"/>
+              <a:t>p value is less than </a:t>
+            </a:r>
+            <a:r>
+              <a:rPr lang="en-US" b="1" dirty="0" smtClean="0"/>
+              <a:t>alpha: </a:t>
+            </a:r>
+            <a:r>
+              <a:rPr lang="en-US" b="1" dirty="0" smtClean="0"/>
+              <a:t>from </a:t>
+            </a:r>
+            <a:r>
+              <a:rPr lang="en-US" b="1" i="1" dirty="0" smtClean="0"/>
+              <a:t>JB test </a:t>
+            </a:r>
+            <a:r>
+              <a:rPr lang="en-US" b="1" dirty="0" smtClean="0"/>
+              <a:t>we can say that times series is not normally distributed</a:t>
             </a:r>
           </a:p>
           <a:p>
@@ -6744,8 +6854,36 @@
               <a:buChar char="•"/>
             </a:pPr>
             <a:r>
-              <a:rPr lang="en-US" dirty="0" smtClean="0"/>
-              <a:t>p value is greater than alpha from Box test so we fail to reject the null and we can say the lags are independent</a:t>
+              <a:rPr lang="en-US" b="1" dirty="0" smtClean="0"/>
+              <a:t>p value is greater than </a:t>
+            </a:r>
+            <a:r>
+              <a:rPr lang="en-US" b="1" dirty="0" smtClean="0"/>
+              <a:t>alpha: </a:t>
+            </a:r>
+            <a:r>
+              <a:rPr lang="en-US" b="1" dirty="0" smtClean="0"/>
+              <a:t>from </a:t>
+            </a:r>
+            <a:r>
+              <a:rPr lang="en-US" b="1" i="1" dirty="0" smtClean="0"/>
+              <a:t>Box test </a:t>
+            </a:r>
+            <a:r>
+              <a:rPr lang="en-US" b="1" dirty="0" smtClean="0"/>
+              <a:t>we </a:t>
+            </a:r>
+            <a:r>
+              <a:rPr lang="en-US" b="1" dirty="0" smtClean="0"/>
+              <a:t>fail to reject the null </a:t>
+            </a:r>
+            <a:r>
+              <a:rPr lang="en-US" b="1" dirty="0" smtClean="0"/>
+              <a:t>so we </a:t>
+            </a:r>
+            <a:r>
+              <a:rPr lang="en-US" b="1" dirty="0" smtClean="0"/>
+              <a:t>can say the lags are independent</a:t>
             </a:r>
           </a:p>
         </p:txBody>
@@ -6842,7 +6980,7 @@
             </a:pPr>
             <a:r>
               <a:rPr lang="en-US" dirty="0" smtClean="0"/>
-              <a:t>Developed multiple models </a:t>
+              <a:t>Developed multiple </a:t>
             </a:r>
             <a:r>
               <a:rPr lang="en-US" dirty="0" err="1" smtClean="0"/>
@@ -6850,7 +6988,19 @@
             </a:r>
             <a:r>
               <a:rPr lang="en-US" dirty="0" smtClean="0"/>
-              <a:t> models and selected the model with a good AIC score and significant coefficients</a:t>
+              <a:t> </a:t>
+            </a:r>
+            <a:r>
+              <a:rPr lang="en-US" dirty="0" smtClean="0"/>
+              <a:t>models and selected the model with a </a:t>
+            </a:r>
+            <a:r>
+              <a:rPr lang="en-US" dirty="0" smtClean="0"/>
+              <a:t>low AIC </a:t>
+            </a:r>
+            <a:r>
+              <a:rPr lang="en-US" dirty="0" smtClean="0"/>
+              <a:t>score and significant coefficients</a:t>
             </a:r>
           </a:p>
           <a:p>
@@ -7071,7 +7221,6 @@
                         <a:rPr lang="en-US" dirty="0" smtClean="0"/>
                         <a:t>(0,0,1)</a:t>
                       </a:r>
-                      <a:endParaRPr lang="en-US" dirty="0" smtClean="0"/>
                     </a:p>
                   </a:txBody>
                   <a:tcPr/>
@@ -7636,7 +7785,7 @@
         <p:spPr>
           <a:xfrm>
             <a:off x="7001933" y="2269067"/>
-            <a:ext cx="4632678" cy="1200329"/>
+            <a:ext cx="4710264" cy="1200329"/>
           </a:xfrm>
           <a:prstGeom prst="rect">
             <a:avLst/>
@@ -7654,11 +7803,11 @@
               <a:buChar char="•"/>
             </a:pPr>
             <a:r>
-              <a:rPr lang="en-US" dirty="0"/>
+              <a:rPr lang="en-US" b="1" dirty="0"/>
               <a:t>p</a:t>
             </a:r>
             <a:r>
-              <a:rPr lang="en-US" dirty="0" smtClean="0"/>
+              <a:rPr lang="en-US" b="1" dirty="0" smtClean="0"/>
               <a:t> values are greater than 0.5</a:t>
             </a:r>
           </a:p>
@@ -7668,7 +7817,7 @@
               <a:buChar char="•"/>
             </a:pPr>
             <a:r>
-              <a:rPr lang="en-US" dirty="0" smtClean="0"/>
+              <a:rPr lang="en-US" b="1" dirty="0" smtClean="0"/>
               <a:t>All the lags are below the blue cross line</a:t>
             </a:r>
           </a:p>
@@ -7678,7 +7827,7 @@
               <a:buChar char="•"/>
             </a:pPr>
             <a:r>
-              <a:rPr lang="en-US" dirty="0" smtClean="0"/>
+              <a:rPr lang="en-US" b="1" dirty="0" smtClean="0"/>
               <a:t>The roots are also above 1 so it is stationary </a:t>
             </a:r>
           </a:p>
@@ -7727,6 +7876,30 @@
           <a:xfrm>
             <a:off x="1000760" y="1935480"/>
             <a:ext cx="5334000" cy="3291840"/>
+          </a:xfrm>
+          <a:prstGeom prst="rect">
+            <a:avLst/>
+          </a:prstGeom>
+        </p:spPr>
+      </p:pic>
+      <p:pic>
+        <p:nvPicPr>
+          <p:cNvPr id="3" name="Picture 2"/>
+          <p:cNvPicPr>
+            <a:picLocks noChangeAspect="1"/>
+          </p:cNvPicPr>
+          <p:nvPr/>
+        </p:nvPicPr>
+        <p:blipFill>
+          <a:blip r:embed="rId5"/>
+          <a:stretch>
+            <a:fillRect/>
+          </a:stretch>
+        </p:blipFill>
+        <p:spPr>
+          <a:xfrm>
+            <a:off x="7070907" y="3469396"/>
+            <a:ext cx="4174107" cy="2576020"/>
           </a:xfrm>
           <a:prstGeom prst="rect">
             <a:avLst/>
